--- a/slides/DS_Week03_01_TimeComplexity.pptx
+++ b/slides/DS_Week03_01_TimeComplexity.pptx
@@ -2099,8 +2099,8 @@
         </p:nvSpPr>
         <p:spPr/>
       </p:sp>
-      <mc:AlternateContent xmlns:mc="http://schemas.openxmlformats.org/markup-compatibility/2006">
-        <mc:Choice xmlns:a14="http://schemas.microsoft.com/office/drawing/2010/main" Requires="a14">
+      <mc:AlternateContent xmlns:mc="http://schemas.openxmlformats.org/markup-compatibility/2006" xmlns:a14="http://schemas.microsoft.com/office/drawing/2010/main">
+        <mc:Choice Requires="a14">
           <p:sp>
             <p:nvSpPr>
               <p:cNvPr id="3" name="Notes Placeholder 2"/>
@@ -2502,7 +2502,7 @@
             </p:txBody>
           </p:sp>
         </mc:Choice>
-        <mc:Fallback>
+        <mc:Fallback xmlns="">
           <p:sp>
             <p:nvSpPr>
               <p:cNvPr id="3" name="Notes Placeholder 2"/>
@@ -8079,19 +8079,8 @@
                 <a:latin typeface="Calibri" pitchFamily="34" charset="0"/>
                 <a:cs typeface="Calibri" pitchFamily="34" charset="0"/>
               </a:rPr>
-              <a:t>Properties of Big-O </a:t>
-            </a:r>
-            <a:r>
-              <a:rPr lang="en-US" dirty="0" smtClean="0">
-                <a:latin typeface="Calibri" pitchFamily="34" charset="0"/>
-                <a:cs typeface="Calibri" pitchFamily="34" charset="0"/>
-              </a:rPr>
-              <a:t>Notation</a:t>
-            </a:r>
-            <a:endParaRPr lang="en-US" dirty="0" smtClean="0">
-              <a:latin typeface="Calibri" pitchFamily="34" charset="0"/>
-              <a:cs typeface="Calibri" pitchFamily="34" charset="0"/>
-            </a:endParaRPr>
+              <a:t>Properties of Big-O Notation</a:t>
+            </a:r>
           </a:p>
         </p:txBody>
       </p:sp>
@@ -14401,8 +14390,8 @@
           </a:p>
         </p:txBody>
       </p:sp>
-      <mc:AlternateContent xmlns:mc="http://schemas.openxmlformats.org/markup-compatibility/2006">
-        <mc:Choice xmlns:a14="http://schemas.microsoft.com/office/drawing/2010/main" Requires="a14">
+      <mc:AlternateContent xmlns:mc="http://schemas.openxmlformats.org/markup-compatibility/2006" xmlns:a14="http://schemas.microsoft.com/office/drawing/2010/main">
+        <mc:Choice Requires="a14">
           <p:sp>
             <p:nvSpPr>
               <p:cNvPr id="3" name="Content Placeholder 2"/>
@@ -14749,12 +14738,11 @@
                   <a:rPr lang="en-US" dirty="0" smtClean="0"/>
                   <a:t>.</a:t>
                 </a:r>
-                <a:endParaRPr lang="en-US" dirty="0" smtClean="0"/>
               </a:p>
             </p:txBody>
           </p:sp>
         </mc:Choice>
-        <mc:Fallback>
+        <mc:Fallback xmlns="">
           <p:sp>
             <p:nvSpPr>
               <p:cNvPr id="3" name="Content Placeholder 2"/>
@@ -18302,8 +18290,8 @@
           </a:p>
         </p:txBody>
       </p:sp>
-      <mc:AlternateContent xmlns:mc="http://schemas.openxmlformats.org/markup-compatibility/2006">
-        <mc:Choice xmlns:a14="http://schemas.microsoft.com/office/drawing/2010/main" Requires="a14">
+      <mc:AlternateContent xmlns:mc="http://schemas.openxmlformats.org/markup-compatibility/2006" xmlns:a14="http://schemas.microsoft.com/office/drawing/2010/main">
+        <mc:Choice Requires="a14">
           <p:sp>
             <p:nvSpPr>
               <p:cNvPr id="3" name="Content Placeholder 2"/>
@@ -18332,11 +18320,7 @@
                 </a:r>
                 <a:r>
                   <a:rPr lang="en-US" sz="2400" dirty="0" smtClean="0"/>
-                  <a:t> </a:t>
-                </a:r>
-                <a:r>
-                  <a:rPr lang="en-US" sz="2400" dirty="0" smtClean="0"/>
-                  <a:t>(=) usually denotes an </a:t>
+                  <a:t> (=) usually denotes an </a:t>
                 </a:r>
                 <a:r>
                   <a:rPr lang="en-US" sz="2400" b="1" i="1" dirty="0" smtClean="0">
@@ -18606,11 +18590,7 @@
                 </a14:m>
                 <a:r>
                   <a:rPr lang="en-US" sz="2400" dirty="0" smtClean="0"/>
-                  <a:t> </a:t>
-                </a:r>
-                <a:r>
-                  <a:rPr lang="en-US" sz="2400" dirty="0" smtClean="0"/>
-                  <a:t>?</a:t>
+                  <a:t> ?</a:t>
                 </a:r>
                 <a:endParaRPr lang="lv-LV" sz="2400" dirty="0" smtClean="0"/>
               </a:p>
@@ -18744,7 +18724,7 @@
             </p:txBody>
           </p:sp>
         </mc:Choice>
-        <mc:Fallback>
+        <mc:Fallback xmlns="">
           <p:sp>
             <p:nvSpPr>
               <p:cNvPr id="3" name="Content Placeholder 2"/>
@@ -18778,8 +18758,8 @@
           </p:sp>
         </mc:Fallback>
       </mc:AlternateContent>
-      <mc:AlternateContent xmlns:mc="http://schemas.openxmlformats.org/markup-compatibility/2006">
-        <mc:Choice xmlns:a14="http://schemas.microsoft.com/office/drawing/2010/main" Requires="a14">
+      <mc:AlternateContent xmlns:mc="http://schemas.openxmlformats.org/markup-compatibility/2006" xmlns:a14="http://schemas.microsoft.com/office/drawing/2010/main">
+        <mc:Choice Requires="a14">
           <p:sp>
             <p:nvSpPr>
               <p:cNvPr id="4" name="Content Placeholder 3"/>
@@ -18797,11 +18777,7 @@
               <a:p>
                 <a:r>
                   <a:rPr lang="en-US" sz="2400" dirty="0" smtClean="0"/>
-                  <a:t>Would </a:t>
-                </a:r>
-                <a:r>
-                  <a:rPr lang="en-US" sz="2400" dirty="0" smtClean="0"/>
-                  <a:t>it be better to write </a:t>
+                  <a:t>Would it be better to write </a:t>
                 </a:r>
                 <a:br>
                   <a:rPr lang="en-US" sz="2400" dirty="0" smtClean="0"/>
@@ -18920,11 +18896,7 @@
                 </a:r>
                 <a:r>
                   <a:rPr lang="en-US" sz="2400" dirty="0" smtClean="0"/>
-                  <a:t> </a:t>
-                </a:r>
-                <a:r>
-                  <a:rPr lang="en-US" sz="2400" dirty="0" smtClean="0"/>
-                  <a:t>what is </a:t>
+                  <a:t> what is </a:t>
                 </a:r>
                 <a14:m>
                   <m:oMath xmlns:m="http://schemas.openxmlformats.org/officeDocument/2006/math">
@@ -18938,11 +18910,7 @@
                 </a14:m>
                 <a:r>
                   <a:rPr lang="en-US" sz="2400" dirty="0" smtClean="0"/>
-                  <a:t>? </a:t>
-                </a:r>
-                <a:r>
-                  <a:rPr lang="en-US" sz="2400" dirty="0" smtClean="0"/>
-                  <a:t>("</a:t>
+                  <a:t>? ("</a:t>
                 </a:r>
                 <a14:m>
                   <m:oMath xmlns:m="http://schemas.openxmlformats.org/officeDocument/2006/math">
@@ -19084,11 +19052,7 @@
                 </a:r>
                 <a:r>
                   <a:rPr lang="en-US" sz="2400" dirty="0" smtClean="0"/>
-                  <a:t> </a:t>
-                </a:r>
-                <a:r>
-                  <a:rPr lang="en-US" sz="2400" dirty="0" smtClean="0"/>
-                  <a:t>notation would be: </a:t>
+                  <a:t> notation would be: </a:t>
                 </a:r>
               </a:p>
               <a:p>
@@ -19300,25 +19264,13 @@
                 </a:r>
                 <a:r>
                   <a:rPr lang="en-US" sz="2400" i="1" dirty="0" smtClean="0"/>
-                  <a:t>(</a:t>
-                </a:r>
-                <a:r>
-                  <a:rPr lang="en-US" sz="2400" i="1" dirty="0" smtClean="0"/>
-                  <a:t>Nobody writes </a:t>
-                </a:r>
-                <a:r>
-                  <a:rPr lang="en-US" sz="2400" i="1" dirty="0" smtClean="0"/>
-                  <a:t>like </a:t>
-                </a:r>
-                <a:r>
-                  <a:rPr lang="en-US" sz="2400" i="1" dirty="0" smtClean="0"/>
-                  <a:t>this.)</a:t>
+                  <a:t>(Nobody writes like this.)</a:t>
                 </a:r>
               </a:p>
             </p:txBody>
           </p:sp>
         </mc:Choice>
-        <mc:Fallback>
+        <mc:Fallback xmlns="">
           <p:sp>
             <p:nvSpPr>
               <p:cNvPr id="4" name="Content Placeholder 3"/>
@@ -19743,8 +19695,8 @@
           </a:p>
         </p:txBody>
       </p:sp>
-      <mc:AlternateContent xmlns:mc="http://schemas.openxmlformats.org/markup-compatibility/2006">
-        <mc:Choice xmlns:a14="http://schemas.microsoft.com/office/drawing/2010/main" Requires="a14">
+      <mc:AlternateContent xmlns:mc="http://schemas.openxmlformats.org/markup-compatibility/2006" xmlns:a14="http://schemas.microsoft.com/office/drawing/2010/main">
+        <mc:Choice Requires="a14">
           <p:sp>
             <p:nvSpPr>
               <p:cNvPr id="7" name="Content Placeholder 6"/>
@@ -20172,11 +20124,7 @@
                 </a:r>
                 <a:r>
                   <a:rPr lang="lv-LV" dirty="0" smtClean="0"/>
-                  <a:t>se the definition </a:t>
-                </a:r>
-                <a:r>
-                  <a:rPr lang="lv-LV" dirty="0" smtClean="0"/>
-                  <a:t>of </a:t>
+                  <a:t>se the definition of </a:t>
                 </a:r>
                 <a:r>
                   <a:rPr lang="lv-LV" dirty="0"/>
@@ -20253,7 +20201,7 @@
             </p:txBody>
           </p:sp>
         </mc:Choice>
-        <mc:Fallback>
+        <mc:Fallback xmlns="">
           <p:sp>
             <p:nvSpPr>
               <p:cNvPr id="7" name="Content Placeholder 6"/>
@@ -23096,8 +23044,8 @@
           </a:p>
         </p:txBody>
       </p:sp>
-      <mc:AlternateContent xmlns:mc="http://schemas.openxmlformats.org/markup-compatibility/2006">
-        <mc:Choice xmlns:a14="http://schemas.microsoft.com/office/drawing/2010/main" Requires="a14">
+      <mc:AlternateContent xmlns:mc="http://schemas.openxmlformats.org/markup-compatibility/2006" xmlns:a14="http://schemas.microsoft.com/office/drawing/2010/main">
+        <mc:Choice Requires="a14">
           <p:sp>
             <p:nvSpPr>
               <p:cNvPr id="6" name="Content Placeholder 5"/>
@@ -23134,15 +23082,7 @@
                 </a:r>
                 <a:r>
                   <a:rPr lang="lv-LV" dirty="0" smtClean="0"/>
-                  <a:t> </a:t>
-                </a:r>
-                <a:r>
-                  <a:rPr lang="lv-LV" dirty="0" smtClean="0"/>
-                  <a:t>Find </a:t>
-                </a:r>
-                <a:r>
-                  <a:rPr lang="lv-LV" dirty="0" smtClean="0"/>
-                  <a:t>an </a:t>
+                  <a:t> Find an </a:t>
                 </a:r>
                 <a14:m>
                   <m:oMath xmlns:m="http://schemas.openxmlformats.org/officeDocument/2006/math">
@@ -23568,7 +23508,7 @@
             </p:txBody>
           </p:sp>
         </mc:Choice>
-        <mc:Fallback>
+        <mc:Fallback xmlns="">
           <p:sp>
             <p:nvSpPr>
               <p:cNvPr id="6" name="Content Placeholder 5"/>
@@ -23666,8 +23606,8 @@
           </a:p>
         </p:txBody>
       </p:sp>
-      <mc:AlternateContent xmlns:mc="http://schemas.openxmlformats.org/markup-compatibility/2006">
-        <mc:Choice xmlns:a14="http://schemas.microsoft.com/office/drawing/2010/main" Requires="a14">
+      <mc:AlternateContent xmlns:mc="http://schemas.openxmlformats.org/markup-compatibility/2006" xmlns:a14="http://schemas.microsoft.com/office/drawing/2010/main">
+        <mc:Choice Requires="a14">
           <p:sp>
             <p:nvSpPr>
               <p:cNvPr id="6" name="Content Placeholder 5"/>
@@ -23697,34 +23637,14 @@
                 </a:r>
                 <a:r>
                   <a:rPr lang="en-US" sz="2000" dirty="0" smtClean="0"/>
-                  <a:t> black </a:t>
-                </a:r>
-                <a:r>
-                  <a:rPr lang="en-US" sz="2000" dirty="0" smtClean="0"/>
-                  <a:t>box that computes </a:t>
-                </a:r>
-                <a:r>
-                  <a:rPr lang="en-US" sz="2000" dirty="0" smtClean="0"/>
-                  <a:t>some O(f(n)) </a:t>
-                </a:r>
-                <a:r>
-                  <a:rPr lang="en-US" sz="2000" dirty="0" smtClean="0"/>
-                  <a:t>algorithm </a:t>
-                </a:r>
-                <a:r>
-                  <a:rPr lang="en-US" sz="2000" dirty="0" smtClean="0"/>
-                  <a:t>with decimal input. </a:t>
+                  <a:t> black box that computes some O(f(n)) algorithm with decimal input. </a:t>
                 </a:r>
                 <a:br>
                   <a:rPr lang="en-US" sz="2000" dirty="0" smtClean="0"/>
                 </a:br>
                 <a:r>
                   <a:rPr lang="en-US" sz="2000" dirty="0" smtClean="0"/>
-                  <a:t>A computer scientist Joe claims that he can </a:t>
-                </a:r>
-                <a:r>
-                  <a:rPr lang="en-US" sz="2000" dirty="0" smtClean="0"/>
-                  <a:t>input </a:t>
+                  <a:t>A computer scientist Joe claims that he can input </a:t>
                 </a:r>
                 <a:r>
                   <a:rPr lang="lv-LV" sz="2000" dirty="0" smtClean="0"/>
@@ -23732,19 +23652,7 @@
                 </a:r>
                 <a:r>
                   <a:rPr lang="en-US" sz="2000" dirty="0" smtClean="0"/>
-                  <a:t>binary </a:t>
-                </a:r>
-                <a:r>
-                  <a:rPr lang="en-US" sz="2000" dirty="0" smtClean="0"/>
-                  <a:t>number, </a:t>
-                </a:r>
-                <a:r>
-                  <a:rPr lang="en-US" sz="2000" dirty="0" smtClean="0"/>
-                  <a:t>convert </a:t>
-                </a:r>
-                <a:r>
-                  <a:rPr lang="en-US" sz="2000" dirty="0" smtClean="0"/>
-                  <a:t>into decimal, then </a:t>
+                  <a:t>binary number, convert into decimal, then </a:t>
                 </a:r>
                 <a:r>
                   <a:rPr lang="lv-LV" sz="2000" dirty="0" smtClean="0"/>
@@ -23752,11 +23660,7 @@
                 </a:r>
                 <a:r>
                   <a:rPr lang="en-US" sz="2000" dirty="0" smtClean="0"/>
-                  <a:t>the </a:t>
-                </a:r>
-                <a:r>
-                  <a:rPr lang="en-US" sz="2000" dirty="0" smtClean="0"/>
-                  <a:t>"black box". </a:t>
+                  <a:t>the "black box". </a:t>
                 </a:r>
                 <a:r>
                   <a:rPr lang="lv-LV" sz="2000" dirty="0"/>
@@ -23768,11 +23672,7 @@
                 </a:r>
                 <a:r>
                   <a:rPr lang="en-US" sz="2000" dirty="0" smtClean="0"/>
-                  <a:t> </a:t>
-                </a:r>
-                <a:r>
-                  <a:rPr lang="en-US" sz="2000" dirty="0" smtClean="0"/>
-                  <a:t>claims that the new </a:t>
+                  <a:t> claims that the new </a:t>
                 </a:r>
                 <a:r>
                   <a:rPr lang="lv-LV" sz="2000" dirty="0" smtClean="0"/>
@@ -23832,11 +23732,7 @@
                 </a14:m>
                 <a:r>
                   <a:rPr lang="lv-LV" sz="2000" dirty="0" smtClean="0"/>
-                  <a:t>. </a:t>
-                </a:r>
-                <a:r>
-                  <a:rPr lang="lv-LV" sz="2000" dirty="0" smtClean="0"/>
-                  <a:t>Is he right?</a:t>
+                  <a:t>. Is he right?</a:t>
                 </a:r>
                 <a:endParaRPr lang="en-US" sz="2000" dirty="0" smtClean="0"/>
               </a:p>
@@ -23846,7 +23742,7 @@
             </p:txBody>
           </p:sp>
         </mc:Choice>
-        <mc:Fallback>
+        <mc:Fallback xmlns="">
           <p:sp>
             <p:nvSpPr>
               <p:cNvPr id="6" name="Content Placeholder 5"/>
@@ -23950,8 +23846,8 @@
           </a:p>
         </p:txBody>
       </p:sp>
-      <mc:AlternateContent xmlns:mc="http://schemas.openxmlformats.org/markup-compatibility/2006">
-        <mc:Choice xmlns:a14="http://schemas.microsoft.com/office/drawing/2010/main" Requires="a14">
+      <mc:AlternateContent xmlns:mc="http://schemas.openxmlformats.org/markup-compatibility/2006" xmlns:a14="http://schemas.microsoft.com/office/drawing/2010/main">
+        <mc:Choice Requires="a14">
           <p:sp>
             <p:nvSpPr>
               <p:cNvPr id="8" name="TextBox 7"/>
@@ -24059,7 +23955,7 @@
             </p:txBody>
           </p:sp>
         </mc:Choice>
-        <mc:Fallback>
+        <mc:Fallback xmlns="">
           <p:sp>
             <p:nvSpPr>
               <p:cNvPr id="8" name="TextBox 7"/>
@@ -24242,7 +24138,6 @@
               <a:rPr lang="en-US" sz="1800" i="1" dirty="0" smtClean="0"/>
               <a:t>(Yes/No or similar)</a:t>
             </a:r>
-            <a:endParaRPr lang="en-US" sz="1800" i="1" dirty="0" smtClean="0"/>
           </a:p>
         </p:txBody>
       </p:sp>
@@ -24696,8 +24591,8 @@
           </a:extLst>
         </p:spPr>
       </p:cxnSp>
-      <mc:AlternateContent xmlns:mc="http://schemas.openxmlformats.org/markup-compatibility/2006">
-        <mc:Choice xmlns:a14="http://schemas.microsoft.com/office/drawing/2010/main" Requires="a14">
+      <mc:AlternateContent xmlns:mc="http://schemas.openxmlformats.org/markup-compatibility/2006" xmlns:a14="http://schemas.microsoft.com/office/drawing/2010/main">
+        <mc:Choice Requires="a14">
           <p:graphicFrame>
             <p:nvGraphicFramePr>
               <p:cNvPr id="29" name="Table 28"/>
@@ -25381,7 +25276,7 @@
             </a:graphic>
           </p:graphicFrame>
         </mc:Choice>
-        <mc:Fallback>
+        <mc:Fallback xmlns="">
           <p:graphicFrame>
             <p:nvGraphicFramePr>
               <p:cNvPr id="29" name="Table 28"/>
@@ -25702,7 +25597,6 @@
               <a:rPr lang="en-US" sz="1800" i="1" dirty="0" smtClean="0"/>
               <a:t>(Yes/No or similar)</a:t>
             </a:r>
-            <a:endParaRPr lang="en-US" sz="1800" i="1" dirty="0" smtClean="0"/>
           </a:p>
         </p:txBody>
       </p:sp>
@@ -25922,8 +25816,8 @@
           </a:p>
         </p:txBody>
       </p:sp>
-      <mc:AlternateContent xmlns:mc="http://schemas.openxmlformats.org/markup-compatibility/2006">
-        <mc:Choice xmlns:a14="http://schemas.microsoft.com/office/drawing/2010/main" Requires="a14">
+      <mc:AlternateContent xmlns:mc="http://schemas.openxmlformats.org/markup-compatibility/2006" xmlns:a14="http://schemas.microsoft.com/office/drawing/2010/main">
+        <mc:Choice Requires="a14">
           <p:sp>
             <p:nvSpPr>
               <p:cNvPr id="3" name="Content Placeholder 2"/>
@@ -25967,11 +25861,7 @@
                 <a:pPr lvl="1"/>
                 <a:r>
                   <a:rPr lang="lv-LV" dirty="0" smtClean="0"/>
-                  <a:t>The </a:t>
-                </a:r>
-                <a:r>
-                  <a:rPr lang="lv-LV" dirty="0" smtClean="0"/>
-                  <a:t>verifiable text as a whole? </a:t>
+                  <a:t>The verifiable text as a whole? </a:t>
                 </a:r>
               </a:p>
               <a:p>
@@ -25988,11 +25878,7 @@
                 </a:r>
                 <a:r>
                   <a:rPr lang="lv-LV" dirty="0" smtClean="0"/>
-                  <a:t>easonable </a:t>
-                </a:r>
-                <a:r>
-                  <a:rPr lang="lv-LV" dirty="0" smtClean="0"/>
-                  <a:t>encodings only differ by a constant factor. For example, a </a:t>
+                  <a:t>easonable encodings only differ by a constant factor. For example, a </a:t>
                 </a:r>
                 <a:r>
                   <a:rPr lang="lv-LV" b="1" i="1" dirty="0" smtClean="0">
@@ -26162,7 +26048,7 @@
             </p:txBody>
           </p:sp>
         </mc:Choice>
-        <mc:Fallback>
+        <mc:Fallback xmlns="">
           <p:sp>
             <p:nvSpPr>
               <p:cNvPr id="3" name="Content Placeholder 2"/>
@@ -26454,8 +26340,8 @@
           </a:p>
         </p:txBody>
       </p:sp>
-      <mc:AlternateContent xmlns:mc="http://schemas.openxmlformats.org/markup-compatibility/2006">
-        <mc:Choice xmlns:a14="http://schemas.microsoft.com/office/drawing/2010/main" Requires="a14">
+      <mc:AlternateContent xmlns:mc="http://schemas.openxmlformats.org/markup-compatibility/2006" xmlns:a14="http://schemas.microsoft.com/office/drawing/2010/main">
+        <mc:Choice Requires="a14">
           <p:sp>
             <p:nvSpPr>
               <p:cNvPr id="3" name="Content Placeholder 2"/>
@@ -26487,31 +26373,15 @@
                 </a:r>
                 <a:r>
                   <a:rPr lang="lv-LV" dirty="0" smtClean="0"/>
-                  <a:t> </a:t>
+                  <a:t> relative units </a:t>
+                </a:r>
+                <a:r>
+                  <a:rPr lang="en-US" dirty="0" smtClean="0"/>
+                  <a:t>(unless it is </a:t>
                 </a:r>
                 <a:r>
                   <a:rPr lang="lv-LV" dirty="0" smtClean="0"/>
-                  <a:t>relative units </a:t>
-                </a:r>
-                <a:r>
-                  <a:rPr lang="en-US" dirty="0" smtClean="0"/>
-                  <a:t>(</a:t>
-                </a:r>
-                <a:r>
-                  <a:rPr lang="en-US" dirty="0" smtClean="0"/>
-                  <a:t>unless it is </a:t>
-                </a:r>
-                <a:r>
-                  <a:rPr lang="lv-LV" dirty="0" smtClean="0"/>
-                  <a:t>one </a:t>
-                </a:r>
-                <a:r>
-                  <a:rPr lang="lv-LV" dirty="0" smtClean="0"/>
-                  <a:t>type of hardware </a:t>
-                </a:r>
-                <a:r>
-                  <a:rPr lang="lv-LV" dirty="0" smtClean="0"/>
-                  <a:t>speed</a:t>
+                  <a:t>one type of hardware speed</a:t>
                 </a:r>
                 <a:r>
                   <a:rPr lang="en-US" dirty="0" smtClean="0"/>
@@ -26530,15 +26400,7 @@
                 </a:r>
                 <a:r>
                   <a:rPr lang="lv-LV" dirty="0" smtClean="0"/>
-                  <a:t>in </a:t>
-                </a:r>
-                <a:r>
-                  <a:rPr lang="lv-LV" dirty="0" smtClean="0"/>
-                  <a:t>the </a:t>
-                </a:r>
-                <a:r>
-                  <a:rPr lang="lv-LV" dirty="0" smtClean="0"/>
-                  <a:t>algorithm</a:t>
+                  <a:t>in the algorithm</a:t>
                 </a:r>
                 <a:r>
                   <a:rPr lang="en-US" dirty="0" smtClean="0"/>
@@ -26570,11 +26432,7 @@
                 </a:pPr>
                 <a:r>
                   <a:rPr lang="lv-LV" dirty="0" smtClean="0"/>
-                  <a:t>The </a:t>
-                </a:r>
-                <a:r>
-                  <a:rPr lang="lv-LV" dirty="0" smtClean="0"/>
-                  <a:t>actual time for input of size </a:t>
+                  <a:t>The actual time for input of size </a:t>
                 </a:r>
                 <a14:m>
                   <m:oMath xmlns:m="http://schemas.openxmlformats.org/officeDocument/2006/math">
@@ -26787,7 +26645,7 @@
             </p:txBody>
           </p:sp>
         </mc:Choice>
-        <mc:Fallback>
+        <mc:Fallback xmlns="">
           <p:sp>
             <p:nvSpPr>
               <p:cNvPr id="3" name="Content Placeholder 2"/>
@@ -32522,11 +32380,7 @@
           <a:p>
             <a:r>
               <a:rPr lang="en-US" dirty="0" smtClean="0"/>
-              <a:t>Example: </a:t>
-            </a:r>
-            <a:r>
-              <a:rPr lang="en-US" dirty="0" smtClean="0"/>
-              <a:t>Factorial</a:t>
+              <a:t>Example: Factorial</a:t>
             </a:r>
             <a:endParaRPr lang="lv-LV" dirty="0"/>
           </a:p>
@@ -32687,8 +32541,8 @@
           </a:p>
         </p:txBody>
       </p:sp>
-      <mc:AlternateContent xmlns:mc="http://schemas.openxmlformats.org/markup-compatibility/2006">
-        <mc:Choice xmlns:a14="http://schemas.microsoft.com/office/drawing/2010/main" Requires="a14">
+      <mc:AlternateContent xmlns:mc="http://schemas.openxmlformats.org/markup-compatibility/2006" xmlns:a14="http://schemas.microsoft.com/office/drawing/2010/main">
+        <mc:Choice Requires="a14">
           <p:sp>
             <p:nvSpPr>
               <p:cNvPr id="4" name="Content Placeholder 3"/>
@@ -32871,7 +32725,7 @@
             </p:txBody>
           </p:sp>
         </mc:Choice>
-        <mc:Fallback>
+        <mc:Fallback xmlns="">
           <p:sp>
             <p:nvSpPr>
               <p:cNvPr id="4" name="Content Placeholder 3"/>
@@ -34397,8 +34251,8 @@
           </a:p>
         </p:txBody>
       </p:sp>
-      <mc:AlternateContent xmlns:mc="http://schemas.openxmlformats.org/markup-compatibility/2006">
-        <mc:Choice xmlns:a14="http://schemas.microsoft.com/office/drawing/2010/main" Requires="a14">
+      <mc:AlternateContent xmlns:mc="http://schemas.openxmlformats.org/markup-compatibility/2006" xmlns:a14="http://schemas.microsoft.com/office/drawing/2010/main">
+        <mc:Choice Requires="a14">
           <p:sp>
             <p:nvSpPr>
               <p:cNvPr id="3" name="Content Placeholder 2"/>
@@ -34991,7 +34845,7 @@
             </p:txBody>
           </p:sp>
         </mc:Choice>
-        <mc:Fallback>
+        <mc:Fallback xmlns="">
           <p:sp>
             <p:nvSpPr>
               <p:cNvPr id="3" name="Content Placeholder 2"/>
